--- a/FASTKART.pptx
+++ b/FASTKART.pptx
@@ -6,8 +6,10 @@
   </p:sldMasterIdLst>
   <p:sldIdLst>
     <p:sldId id="256" r:id="rId2"/>
-    <p:sldId id="257" r:id="rId3"/>
-    <p:sldId id="258" r:id="rId4"/>
+    <p:sldId id="260" r:id="rId3"/>
+    <p:sldId id="257" r:id="rId4"/>
+    <p:sldId id="259" r:id="rId5"/>
+    <p:sldId id="258" r:id="rId6"/>
   </p:sldIdLst>
   <p:sldSz cx="12192000" cy="6858000"/>
   <p:notesSz cx="6858000" cy="9144000"/>
@@ -106,6 +108,11 @@
       </a:defRPr>
     </a:lvl9pPr>
   </p:defaultTextStyle>
+  <p:extLst>
+    <p:ext uri="{EFAFB233-063F-42B5-8137-9DF3F51BA10A}">
+      <p15:sldGuideLst xmlns:p15="http://schemas.microsoft.com/office/powerpoint/2012/main"/>
+    </p:ext>
+  </p:extLst>
 </p:presentation>
 </file>
 
@@ -13219,9 +13226,16 @@
             <p:ph type="subTitle" idx="1"/>
           </p:nvPr>
         </p:nvSpPr>
-        <p:spPr/>
+        <p:spPr>
+          <a:xfrm>
+            <a:off x="1154955" y="4777379"/>
+            <a:ext cx="8825658" cy="1275077"/>
+          </a:xfrm>
+        </p:spPr>
         <p:txBody>
-          <a:bodyPr/>
+          <a:bodyPr>
+            <a:normAutofit/>
+          </a:bodyPr>
           <a:lstStyle/>
           <a:p>
             <a:r>
@@ -13242,6 +13256,25 @@
             <a:r>
               <a:rPr lang="ru-RU" dirty="0" smtClean="0"/>
               <a:t>11-309</a:t>
+            </a:r>
+            <a:endParaRPr lang="en-US" dirty="0" smtClean="0"/>
+          </a:p>
+          <a:p>
+            <a:r>
+              <a:rPr lang="ru-RU" dirty="0" smtClean="0"/>
+              <a:t>ПРЕДМЕТ</a:t>
+            </a:r>
+            <a:r>
+              <a:rPr lang="en-US" dirty="0" smtClean="0"/>
+              <a:t>:</a:t>
+            </a:r>
+            <a:r>
+              <a:rPr lang="ru-RU" dirty="0" smtClean="0"/>
+              <a:t> </a:t>
+            </a:r>
+            <a:r>
+              <a:rPr lang="ru-RU" dirty="0" err="1" smtClean="0"/>
+              <a:t>орис</a:t>
             </a:r>
             <a:endParaRPr lang="ru-RU" dirty="0"/>
           </a:p>
@@ -13293,9 +13326,10 @@
           <a:lstStyle/>
           <a:p>
             <a:r>
-              <a:rPr lang="ru-RU" dirty="0"/>
-              <a:t>Функционал</a:t>
-            </a:r>
+              <a:rPr lang="en-US" dirty="0" err="1" smtClean="0"/>
+              <a:t>Fastkart</a:t>
+            </a:r>
+            <a:endParaRPr lang="ru-RU" dirty="0"/>
           </a:p>
         </p:txBody>
       </p:sp>
@@ -13314,65 +13348,29 @@
           <a:bodyPr/>
           <a:lstStyle/>
           <a:p>
-            <a:pPr marL="0" indent="0">
-              <a:buNone/>
-            </a:pPr>
-            <a:r>
-              <a:rPr lang="ru-RU" dirty="0"/>
-              <a:t>Авторизация/Аутентификация пользователя</a:t>
-            </a:r>
-          </a:p>
-          <a:p>
-            <a:pPr marL="0" indent="0">
-              <a:buNone/>
-            </a:pPr>
             <a:r>
               <a:rPr lang="ru-RU" dirty="0" smtClean="0"/>
-              <a:t>Редактирование </a:t>
-            </a:r>
-            <a:r>
-              <a:rPr lang="ru-RU" dirty="0"/>
-              <a:t>профиля пользователя</a:t>
-            </a:r>
-          </a:p>
-          <a:p>
-            <a:pPr marL="0" indent="0">
-              <a:buNone/>
-            </a:pPr>
-            <a:r>
-              <a:rPr lang="ru-RU" dirty="0"/>
-              <a:t>Административная панель</a:t>
-            </a:r>
-          </a:p>
-          <a:p>
-            <a:pPr marL="0" indent="0">
-              <a:buNone/>
-            </a:pPr>
+              <a:t>Интернет-магазин с удобным и простым интерфейсом для заказов продуктов на дом.</a:t>
+            </a:r>
+          </a:p>
+          <a:p>
             <a:r>
               <a:rPr lang="ru-RU" dirty="0" smtClean="0"/>
-              <a:t>Оформление заказов</a:t>
-            </a:r>
-          </a:p>
-          <a:p>
-            <a:pPr marL="0" indent="0">
-              <a:buNone/>
-            </a:pPr>
+              <a:t>Пользователю предоставляется полный функционал отслеживания товаров и заказов а также предоставляется заказ к соседям </a:t>
+            </a:r>
+          </a:p>
+          <a:p>
             <a:r>
               <a:rPr lang="ru-RU" dirty="0" smtClean="0"/>
-              <a:t>- В дальнейшим хотелось бы </a:t>
-            </a:r>
-            <a:r>
-              <a:rPr lang="en-US" dirty="0" smtClean="0"/>
-              <a:t>добавить отслеживания статуса товара</a:t>
-            </a:r>
-            <a:endParaRPr lang="ru-RU" dirty="0"/>
+              <a:t>Написание отзывов и блогов </a:t>
+            </a:r>
           </a:p>
         </p:txBody>
       </p:sp>
     </p:spTree>
     <p:extLst>
       <p:ext uri="{BB962C8B-B14F-4D97-AF65-F5344CB8AC3E}">
-        <p14:creationId xmlns:p14="http://schemas.microsoft.com/office/powerpoint/2010/main" val="711694811"/>
+        <p14:creationId xmlns:p14="http://schemas.microsoft.com/office/powerpoint/2010/main" val="3052884633"/>
       </p:ext>
     </p:extLst>
   </p:cSld>
@@ -13415,8 +13413,8 @@
           <a:lstStyle/>
           <a:p>
             <a:r>
-              <a:rPr lang="en-US" dirty="0" err="1" smtClean="0"/>
-              <a:t>Технологии</a:t>
+              <a:rPr lang="ru-RU" dirty="0" smtClean="0"/>
+              <a:t>Функционал основной странице </a:t>
             </a:r>
             <a:endParaRPr lang="ru-RU" dirty="0"/>
           </a:p>
@@ -13435,31 +13433,425 @@
         <p:spPr>
           <a:xfrm>
             <a:off x="1154954" y="2603500"/>
+            <a:ext cx="8825659" cy="4023723"/>
+          </a:xfrm>
+        </p:spPr>
+        <p:txBody>
+          <a:bodyPr>
+            <a:normAutofit/>
+          </a:bodyPr>
+          <a:lstStyle/>
+          <a:p>
+            <a:pPr>
+              <a:buFontTx/>
+              <a:buChar char="-"/>
+            </a:pPr>
+            <a:r>
+              <a:rPr lang="ru-RU" dirty="0" smtClean="0"/>
+              <a:t>Реализовано</a:t>
+            </a:r>
+            <a:r>
+              <a:rPr lang="en-US" dirty="0" smtClean="0"/>
+              <a:t>:</a:t>
+            </a:r>
+            <a:endParaRPr lang="en-US" dirty="0"/>
+          </a:p>
+          <a:p>
+            <a:pPr lvl="1">
+              <a:buFontTx/>
+              <a:buChar char="-"/>
+            </a:pPr>
+            <a:r>
+              <a:rPr lang="ru-RU" dirty="0" smtClean="0"/>
+              <a:t>Авторизация/Аутентификация пользователя</a:t>
+            </a:r>
+            <a:endParaRPr lang="en-US" dirty="0" smtClean="0"/>
+          </a:p>
+          <a:p>
+            <a:pPr lvl="1">
+              <a:buFontTx/>
+              <a:buChar char="-"/>
+            </a:pPr>
+            <a:r>
+              <a:rPr lang="ru-RU" dirty="0" smtClean="0"/>
+              <a:t>Редактирование </a:t>
+            </a:r>
+            <a:r>
+              <a:rPr lang="ru-RU" dirty="0"/>
+              <a:t>профиля </a:t>
+            </a:r>
+            <a:r>
+              <a:rPr lang="ru-RU" dirty="0" smtClean="0"/>
+              <a:t>пользователя</a:t>
+            </a:r>
+            <a:endParaRPr lang="en-US" dirty="0" smtClean="0"/>
+          </a:p>
+          <a:p>
+            <a:pPr lvl="1">
+              <a:buFontTx/>
+              <a:buChar char="-"/>
+            </a:pPr>
+            <a:r>
+              <a:rPr lang="ru-RU" dirty="0" smtClean="0"/>
+              <a:t>Работа с корзиной и выполнение заказов</a:t>
+            </a:r>
+            <a:endParaRPr lang="en-US" dirty="0"/>
+          </a:p>
+          <a:p>
+            <a:pPr lvl="1">
+              <a:buFontTx/>
+              <a:buChar char="-"/>
+            </a:pPr>
+            <a:r>
+              <a:rPr lang="ru-RU" dirty="0" smtClean="0"/>
+              <a:t>Административная панель</a:t>
+            </a:r>
+            <a:endParaRPr lang="en-US" dirty="0"/>
+          </a:p>
+          <a:p>
+            <a:pPr lvl="1">
+              <a:buFontTx/>
+              <a:buChar char="-"/>
+            </a:pPr>
+            <a:r>
+              <a:rPr lang="ru-RU" dirty="0" smtClean="0"/>
+              <a:t>Личный кабинет пользователя</a:t>
+            </a:r>
+            <a:endParaRPr lang="ru-RU" dirty="0"/>
+          </a:p>
+          <a:p>
+            <a:pPr lvl="1">
+              <a:buFontTx/>
+              <a:buChar char="-"/>
+            </a:pPr>
+            <a:r>
+              <a:rPr lang="ru-RU" dirty="0" smtClean="0"/>
+              <a:t>Оформление </a:t>
+            </a:r>
+            <a:r>
+              <a:rPr lang="ru-RU" dirty="0" smtClean="0"/>
+              <a:t>заказов</a:t>
+            </a:r>
+          </a:p>
+          <a:p>
+            <a:pPr>
+              <a:buFontTx/>
+              <a:buChar char="-"/>
+            </a:pPr>
+            <a:r>
+              <a:rPr lang="ru-RU" dirty="0" smtClean="0"/>
+              <a:t>В </a:t>
+            </a:r>
+            <a:r>
+              <a:rPr lang="ru-RU" dirty="0" smtClean="0"/>
+              <a:t>дальнейшим хотелось бы </a:t>
+            </a:r>
+            <a:r>
+              <a:rPr lang="en-US" dirty="0" err="1" smtClean="0"/>
+              <a:t>добавить</a:t>
+            </a:r>
+            <a:r>
+              <a:rPr lang="en-US" dirty="0" smtClean="0"/>
+              <a:t>:</a:t>
+            </a:r>
+          </a:p>
+          <a:p>
+            <a:pPr lvl="1">
+              <a:buFontTx/>
+              <a:buChar char="-"/>
+            </a:pPr>
+            <a:r>
+              <a:rPr lang="en-US" dirty="0" smtClean="0"/>
+              <a:t> </a:t>
+            </a:r>
+            <a:r>
+              <a:rPr lang="en-US" dirty="0" smtClean="0"/>
+              <a:t>отслеживания </a:t>
+            </a:r>
+            <a:r>
+              <a:rPr lang="en-US" dirty="0" err="1" smtClean="0"/>
+              <a:t>статуса</a:t>
+            </a:r>
+            <a:r>
+              <a:rPr lang="en-US" dirty="0" smtClean="0"/>
+              <a:t> </a:t>
+            </a:r>
+            <a:r>
+              <a:rPr lang="en-US" dirty="0" err="1" smtClean="0"/>
+              <a:t>товара</a:t>
+            </a:r>
+            <a:r>
+              <a:rPr lang="ru-RU" dirty="0" smtClean="0"/>
+              <a:t> на стороне клиента </a:t>
+            </a:r>
+          </a:p>
+          <a:p>
+            <a:pPr lvl="1">
+              <a:buFontTx/>
+              <a:buChar char="-"/>
+            </a:pPr>
+            <a:r>
+              <a:rPr lang="ru-RU" dirty="0" smtClean="0"/>
+              <a:t>Написание отзывов и блогов о магазинах </a:t>
+            </a:r>
+            <a:endParaRPr lang="ru-RU" dirty="0"/>
+          </a:p>
+        </p:txBody>
+      </p:sp>
+    </p:spTree>
+    <p:extLst>
+      <p:ext uri="{BB962C8B-B14F-4D97-AF65-F5344CB8AC3E}">
+        <p14:creationId xmlns:p14="http://schemas.microsoft.com/office/powerpoint/2010/main" val="711694811"/>
+      </p:ext>
+    </p:extLst>
+  </p:cSld>
+  <p:clrMapOvr>
+    <a:masterClrMapping/>
+  </p:clrMapOvr>
+</p:sld>
+</file>
+
+<file path=ppt/slides/slide4.xml><?xml version="1.0" encoding="utf-8"?>
+<p:sld xmlns:a="http://schemas.openxmlformats.org/drawingml/2006/main" xmlns:r="http://schemas.openxmlformats.org/officeDocument/2006/relationships" xmlns:p="http://schemas.openxmlformats.org/presentationml/2006/main">
+  <p:cSld>
+    <p:spTree>
+      <p:nvGrpSpPr>
+        <p:cNvPr id="1" name=""/>
+        <p:cNvGrpSpPr/>
+        <p:nvPr/>
+      </p:nvGrpSpPr>
+      <p:grpSpPr>
+        <a:xfrm>
+          <a:off x="0" y="0"/>
+          <a:ext cx="0" cy="0"/>
+          <a:chOff x="0" y="0"/>
+          <a:chExt cx="0" cy="0"/>
+        </a:xfrm>
+      </p:grpSpPr>
+      <p:sp>
+        <p:nvSpPr>
+          <p:cNvPr id="2" name="Заголовок 1"/>
+          <p:cNvSpPr>
+            <a:spLocks noGrp="1"/>
+          </p:cNvSpPr>
+          <p:nvPr>
+            <p:ph type="title"/>
+          </p:nvPr>
+        </p:nvSpPr>
+        <p:spPr/>
+        <p:txBody>
+          <a:bodyPr/>
+          <a:lstStyle/>
+          <a:p>
+            <a:r>
+              <a:rPr lang="ru-RU" dirty="0" smtClean="0"/>
+              <a:t>Функционал админ панели </a:t>
+            </a:r>
+            <a:endParaRPr lang="ru-RU" dirty="0"/>
+          </a:p>
+        </p:txBody>
+      </p:sp>
+      <p:sp>
+        <p:nvSpPr>
+          <p:cNvPr id="3" name="Объект 2"/>
+          <p:cNvSpPr>
+            <a:spLocks noGrp="1"/>
+          </p:cNvSpPr>
+          <p:nvPr>
+            <p:ph idx="1"/>
+          </p:nvPr>
+        </p:nvSpPr>
+        <p:spPr/>
+        <p:txBody>
+          <a:bodyPr/>
+          <a:lstStyle/>
+          <a:p>
+            <a:pPr>
+              <a:buFontTx/>
+              <a:buChar char="-"/>
+            </a:pPr>
+            <a:r>
+              <a:rPr lang="ru-RU" dirty="0" smtClean="0"/>
+              <a:t>Ре</a:t>
+            </a:r>
+            <a:r>
+              <a:rPr lang="ru-RU" dirty="0"/>
+              <a:t>а</a:t>
+            </a:r>
+            <a:r>
+              <a:rPr lang="ru-RU" dirty="0" smtClean="0"/>
+              <a:t>лизовано</a:t>
+            </a:r>
+            <a:r>
+              <a:rPr lang="en-US" dirty="0" smtClean="0"/>
+              <a:t>:</a:t>
+            </a:r>
+            <a:endParaRPr lang="ru-RU" dirty="0"/>
+          </a:p>
+          <a:p>
+            <a:pPr lvl="1">
+              <a:buFontTx/>
+              <a:buChar char="-"/>
+            </a:pPr>
+            <a:r>
+              <a:rPr lang="ru-RU" dirty="0" smtClean="0"/>
+              <a:t>Добавление</a:t>
+            </a:r>
+            <a:r>
+              <a:rPr lang="en-US" dirty="0" smtClean="0"/>
+              <a:t>,</a:t>
+            </a:r>
+            <a:r>
+              <a:rPr lang="ru-RU" dirty="0" smtClean="0"/>
+              <a:t>удаление и редактирование товаров</a:t>
+            </a:r>
+          </a:p>
+          <a:p>
+            <a:pPr>
+              <a:buFontTx/>
+              <a:buChar char="-"/>
+            </a:pPr>
+            <a:endParaRPr lang="ru-RU" dirty="0"/>
+          </a:p>
+          <a:p>
+            <a:pPr>
+              <a:buFontTx/>
+              <a:buChar char="-"/>
+            </a:pPr>
+            <a:r>
+              <a:rPr lang="ru-RU" dirty="0" smtClean="0"/>
+              <a:t>В дальнейшим хотел бы добавить</a:t>
+            </a:r>
+            <a:r>
+              <a:rPr lang="en-US" dirty="0" smtClean="0"/>
+              <a:t>:</a:t>
+            </a:r>
+            <a:endParaRPr lang="ru-RU" dirty="0" smtClean="0"/>
+          </a:p>
+          <a:p>
+            <a:pPr lvl="1">
+              <a:buFontTx/>
+              <a:buChar char="-"/>
+            </a:pPr>
+            <a:r>
+              <a:rPr lang="ru-RU" dirty="0" smtClean="0"/>
+              <a:t>изменения статуса доставки товара </a:t>
+            </a:r>
+          </a:p>
+          <a:p>
+            <a:pPr lvl="1">
+              <a:buFontTx/>
+              <a:buChar char="-"/>
+            </a:pPr>
+            <a:r>
+              <a:rPr lang="ru-RU" dirty="0" smtClean="0"/>
+              <a:t>История заказанных товаров </a:t>
+            </a:r>
+          </a:p>
+          <a:p>
+            <a:pPr lvl="1">
+              <a:buFontTx/>
+              <a:buChar char="-"/>
+            </a:pPr>
+            <a:r>
+              <a:rPr lang="ru-RU" dirty="0" smtClean="0"/>
+              <a:t>Фильтрация блогов и отзывов пользователей </a:t>
+            </a:r>
+            <a:endParaRPr lang="ru-RU" dirty="0"/>
+          </a:p>
+        </p:txBody>
+      </p:sp>
+    </p:spTree>
+    <p:extLst>
+      <p:ext uri="{BB962C8B-B14F-4D97-AF65-F5344CB8AC3E}">
+        <p14:creationId xmlns:p14="http://schemas.microsoft.com/office/powerpoint/2010/main" val="2770760844"/>
+      </p:ext>
+    </p:extLst>
+  </p:cSld>
+  <p:clrMapOvr>
+    <a:masterClrMapping/>
+  </p:clrMapOvr>
+</p:sld>
+</file>
+
+<file path=ppt/slides/slide5.xml><?xml version="1.0" encoding="utf-8"?>
+<p:sld xmlns:a="http://schemas.openxmlformats.org/drawingml/2006/main" xmlns:r="http://schemas.openxmlformats.org/officeDocument/2006/relationships" xmlns:p="http://schemas.openxmlformats.org/presentationml/2006/main">
+  <p:cSld>
+    <p:spTree>
+      <p:nvGrpSpPr>
+        <p:cNvPr id="1" name=""/>
+        <p:cNvGrpSpPr/>
+        <p:nvPr/>
+      </p:nvGrpSpPr>
+      <p:grpSpPr>
+        <a:xfrm>
+          <a:off x="0" y="0"/>
+          <a:ext cx="0" cy="0"/>
+          <a:chOff x="0" y="0"/>
+          <a:chExt cx="0" cy="0"/>
+        </a:xfrm>
+      </p:grpSpPr>
+      <p:sp>
+        <p:nvSpPr>
+          <p:cNvPr id="2" name="Заголовок 1"/>
+          <p:cNvSpPr>
+            <a:spLocks noGrp="1"/>
+          </p:cNvSpPr>
+          <p:nvPr>
+            <p:ph type="title"/>
+          </p:nvPr>
+        </p:nvSpPr>
+        <p:spPr/>
+        <p:txBody>
+          <a:bodyPr/>
+          <a:lstStyle/>
+          <a:p>
+            <a:r>
+              <a:rPr lang="en-US" dirty="0" err="1" smtClean="0"/>
+              <a:t>Технологии</a:t>
+            </a:r>
+            <a:endParaRPr lang="ru-RU" dirty="0"/>
+          </a:p>
+        </p:txBody>
+      </p:sp>
+      <p:sp>
+        <p:nvSpPr>
+          <p:cNvPr id="3" name="Объект 2"/>
+          <p:cNvSpPr>
+            <a:spLocks noGrp="1"/>
+          </p:cNvSpPr>
+          <p:nvPr>
+            <p:ph idx="1"/>
+          </p:nvPr>
+        </p:nvSpPr>
+        <p:spPr>
+          <a:xfrm>
+            <a:off x="1122830" y="2364014"/>
             <a:ext cx="8825659" cy="4493986"/>
           </a:xfrm>
         </p:spPr>
         <p:txBody>
           <a:bodyPr>
-            <a:normAutofit fontScale="40000" lnSpcReduction="20000"/>
+            <a:normAutofit fontScale="32500" lnSpcReduction="20000"/>
           </a:bodyPr>
           <a:lstStyle/>
           <a:p>
             <a:r>
-              <a:rPr lang="ru-RU" sz="2900" b="1" dirty="0">
+              <a:rPr lang="ru-RU" sz="3700" b="1" dirty="0">
                 <a:solidFill>
                   <a:schemeClr val="tx1"/>
                 </a:solidFill>
               </a:rPr>
               <a:t>Технологии</a:t>
             </a:r>
-            <a:endParaRPr lang="en-US" sz="2900" b="1" dirty="0">
+            <a:endParaRPr lang="en-US" sz="3700" b="1" dirty="0">
               <a:solidFill>
                 <a:schemeClr val="tx1"/>
               </a:solidFill>
             </a:endParaRPr>
           </a:p>
           <a:p>
-            <a:pPr marL="285750" indent="-285750">
+            <a:pPr marL="685800" lvl="1">
               <a:lnSpc>
                 <a:spcPct val="150000"/>
               </a:lnSpc>
@@ -13467,7 +13859,7 @@
               <a:buChar char="•"/>
             </a:pPr>
             <a:r>
-              <a:rPr lang="en-US" sz="2900" b="1" dirty="0">
+              <a:rPr lang="en-US" sz="3700" b="1" dirty="0">
                 <a:solidFill>
                   <a:schemeClr val="tx1"/>
                 </a:solidFill>
@@ -13475,7 +13867,7 @@
               <a:t>ASP.NET CORE MVC</a:t>
             </a:r>
             <a:r>
-              <a:rPr lang="ru-RU" sz="2900" b="1" dirty="0">
+              <a:rPr lang="ru-RU" sz="3700" b="1" dirty="0">
                 <a:solidFill>
                   <a:schemeClr val="tx1"/>
                 </a:solidFill>
@@ -13483,7 +13875,7 @@
               <a:t> – Мощный </a:t>
             </a:r>
             <a:r>
-              <a:rPr lang="ru-RU" sz="2900" b="1" dirty="0" err="1">
+              <a:rPr lang="ru-RU" sz="3700" b="1" dirty="0" err="1">
                 <a:solidFill>
                   <a:schemeClr val="tx1"/>
                 </a:solidFill>
@@ -13491,7 +13883,7 @@
               <a:t>фреймворк</a:t>
             </a:r>
             <a:r>
-              <a:rPr lang="ru-RU" sz="2900" b="1" dirty="0">
+              <a:rPr lang="ru-RU" sz="3700" b="1" dirty="0">
                 <a:solidFill>
                   <a:schemeClr val="tx1"/>
                 </a:solidFill>
@@ -13500,7 +13892,7 @@
             </a:r>
           </a:p>
           <a:p>
-            <a:pPr marL="285750" indent="-285750">
+            <a:pPr marL="685800" lvl="1">
               <a:lnSpc>
                 <a:spcPct val="150000"/>
               </a:lnSpc>
@@ -13508,7 +13900,7 @@
               <a:buChar char="•"/>
             </a:pPr>
             <a:r>
-              <a:rPr lang="en-US" sz="2900" b="1" dirty="0">
+              <a:rPr lang="en-US" sz="3700" b="1" dirty="0">
                 <a:solidFill>
                   <a:schemeClr val="tx1"/>
                 </a:solidFill>
@@ -13516,21 +13908,81 @@
               <a:t>Entity Framework</a:t>
             </a:r>
             <a:r>
-              <a:rPr lang="ru-RU" sz="2900" b="1" dirty="0">
+              <a:rPr lang="ru-RU" sz="3700" b="1" dirty="0">
                 <a:solidFill>
                   <a:schemeClr val="tx1"/>
                 </a:solidFill>
               </a:rPr>
-              <a:t> – Упрощает работу с базой данных через ORM, уменьшая количество ручного SQL-кода.</a:t>
-            </a:r>
-            <a:endParaRPr lang="en-US" sz="2900" b="1" dirty="0">
+              <a:t> – Упрощает работу с базой данных через ORM, уменьшая количество ручного SQL-кода</a:t>
+            </a:r>
+            <a:r>
+              <a:rPr lang="ru-RU" sz="3700" b="1" dirty="0" smtClean="0">
+                <a:solidFill>
+                  <a:schemeClr val="tx1"/>
+                </a:solidFill>
+              </a:rPr>
+              <a:t>.</a:t>
+            </a:r>
+            <a:endParaRPr lang="ru-RU" sz="3700" b="1" dirty="0">
               <a:solidFill>
                 <a:schemeClr val="tx1"/>
               </a:solidFill>
             </a:endParaRPr>
           </a:p>
           <a:p>
-            <a:pPr marL="285750" indent="-285750">
+            <a:r>
+              <a:rPr lang="ru-RU" sz="3700" b="1" dirty="0">
+                <a:solidFill>
+                  <a:schemeClr val="tx1"/>
+                </a:solidFill>
+              </a:rPr>
+              <a:t>Архитектура</a:t>
+            </a:r>
+            <a:endParaRPr lang="en-US" sz="3700" b="1" dirty="0">
+              <a:solidFill>
+                <a:schemeClr val="tx1"/>
+              </a:solidFill>
+            </a:endParaRPr>
+          </a:p>
+          <a:p>
+            <a:pPr marL="685800" lvl="1">
+              <a:buFont typeface="Arial" panose="020B0604020202020204" pitchFamily="34" charset="0"/>
+              <a:buChar char="•"/>
+            </a:pPr>
+            <a:r>
+              <a:rPr lang="ru-RU" sz="3700" b="1" dirty="0">
+                <a:solidFill>
+                  <a:schemeClr val="tx1"/>
+                </a:solidFill>
+              </a:rPr>
+              <a:t>Чистая архитектура – Чёткое разделение слоёв приложения для </a:t>
+            </a:r>
+            <a:r>
+              <a:rPr lang="ru-RU" sz="3700" b="1" dirty="0" smtClean="0">
+                <a:solidFill>
+                  <a:schemeClr val="tx1"/>
+                </a:solidFill>
+              </a:rPr>
+              <a:t>удобств</a:t>
+            </a:r>
+            <a:endParaRPr lang="en-US" sz="3700" b="1" dirty="0" smtClean="0">
+              <a:solidFill>
+                <a:schemeClr val="tx1"/>
+              </a:solidFill>
+            </a:endParaRPr>
+          </a:p>
+          <a:p>
+            <a:r>
+              <a:rPr lang="ru-RU" sz="3700" b="1" dirty="0" smtClean="0">
+                <a:solidFill>
+                  <a:schemeClr val="tx1"/>
+                </a:solidFill>
+              </a:rPr>
+              <a:t>Прочее</a:t>
+            </a:r>
+          </a:p>
+          <a:p>
+            <a:pPr marL="685800" lvl="1">
               <a:lnSpc>
                 <a:spcPct val="150000"/>
               </a:lnSpc>
@@ -13538,100 +13990,53 @@
               <a:buChar char="•"/>
             </a:pPr>
             <a:r>
-              <a:rPr lang="en-US" sz="2900" b="1" dirty="0">
+              <a:rPr lang="en-US" sz="3700" b="1" dirty="0" smtClean="0">
                 <a:solidFill>
                   <a:schemeClr val="tx1"/>
                 </a:solidFill>
               </a:rPr>
-              <a:t>HTML&amp;CSS&amp;JS</a:t>
-            </a:r>
-            <a:r>
-              <a:rPr lang="ru-RU" sz="2900" b="1" dirty="0">
+              <a:t>JWT </a:t>
+            </a:r>
+            <a:r>
+              <a:rPr lang="en-US" sz="3700" b="1" dirty="0">
                 <a:solidFill>
                   <a:schemeClr val="tx1"/>
                 </a:solidFill>
               </a:rPr>
-              <a:t> – Основы веб-разработки для создания интерактивного и стильного интерфейса.</a:t>
-            </a:r>
-            <a:endParaRPr lang="en-US" sz="2900" b="1" dirty="0">
+              <a:t>Bearer</a:t>
+            </a:r>
+            <a:r>
+              <a:rPr lang="ru-RU" sz="3700" b="1" dirty="0">
+                <a:solidFill>
+                  <a:schemeClr val="tx1"/>
+                </a:solidFill>
+              </a:rPr>
+              <a:t> – Безопасная аутентификация через </a:t>
+            </a:r>
+            <a:r>
+              <a:rPr lang="ru-RU" sz="3700" b="1" dirty="0" err="1">
+                <a:solidFill>
+                  <a:schemeClr val="tx1"/>
+                </a:solidFill>
+              </a:rPr>
+              <a:t>токены</a:t>
+            </a:r>
+            <a:r>
+              <a:rPr lang="ru-RU" sz="3700" b="1" dirty="0">
+                <a:solidFill>
+                  <a:schemeClr val="tx1"/>
+                </a:solidFill>
+              </a:rPr>
+              <a:t> с минимальными накладными расходами.</a:t>
+            </a:r>
+            <a:endParaRPr lang="en-US" sz="3700" b="1" dirty="0">
               <a:solidFill>
                 <a:schemeClr val="tx1"/>
               </a:solidFill>
             </a:endParaRPr>
           </a:p>
           <a:p>
-            <a:endParaRPr lang="ru-RU" sz="2900" b="1" dirty="0">
-              <a:solidFill>
-                <a:schemeClr val="tx1"/>
-              </a:solidFill>
-            </a:endParaRPr>
-          </a:p>
-          <a:p>
-            <a:r>
-              <a:rPr lang="ru-RU" sz="2900" b="1" dirty="0">
-                <a:solidFill>
-                  <a:schemeClr val="tx1"/>
-                </a:solidFill>
-              </a:rPr>
-              <a:t>Архитектура</a:t>
-            </a:r>
-            <a:endParaRPr lang="en-US" sz="2900" b="1" dirty="0">
-              <a:solidFill>
-                <a:schemeClr val="tx1"/>
-              </a:solidFill>
-            </a:endParaRPr>
-          </a:p>
-          <a:p>
-            <a:pPr marL="285750" indent="-285750">
-              <a:buFont typeface="Arial" panose="020B0604020202020204" pitchFamily="34" charset="0"/>
-              <a:buChar char="•"/>
-            </a:pPr>
-            <a:r>
-              <a:rPr lang="ru-RU" sz="2900" b="1" dirty="0">
-                <a:solidFill>
-                  <a:schemeClr val="tx1"/>
-                </a:solidFill>
-              </a:rPr>
-              <a:t>Чистая архитектура – Чёткое разделение слоёв приложения для удобств</a:t>
-            </a:r>
-            <a:endParaRPr lang="en-US" sz="2900" b="1" dirty="0">
-              <a:solidFill>
-                <a:schemeClr val="tx1"/>
-              </a:solidFill>
-            </a:endParaRPr>
-          </a:p>
-          <a:p>
-            <a:r>
-              <a:rPr lang="ru-RU" sz="2900" b="1" dirty="0">
-                <a:solidFill>
-                  <a:schemeClr val="tx1"/>
-                </a:solidFill>
-              </a:rPr>
-              <a:t/>
-            </a:r>
-            <a:br>
-              <a:rPr lang="ru-RU" sz="2900" b="1" dirty="0">
-                <a:solidFill>
-                  <a:schemeClr val="tx1"/>
-                </a:solidFill>
-              </a:rPr>
-            </a:br>
-            <a:r>
-              <a:rPr lang="ru-RU" sz="2900" b="1" dirty="0">
-                <a:solidFill>
-                  <a:schemeClr val="tx1"/>
-                </a:solidFill>
-              </a:rPr>
-              <a:t>Прочее</a:t>
-            </a:r>
-            <a:endParaRPr lang="en-US" sz="2900" b="1" dirty="0">
-              <a:solidFill>
-                <a:schemeClr val="tx1"/>
-              </a:solidFill>
-            </a:endParaRPr>
-          </a:p>
-          <a:p>
-            <a:pPr marL="285750" indent="-285750">
+            <a:pPr marL="685800" lvl="1">
               <a:lnSpc>
                 <a:spcPct val="150000"/>
               </a:lnSpc>
@@ -13639,78 +14044,7 @@
               <a:buChar char="•"/>
             </a:pPr>
             <a:r>
-              <a:rPr lang="en-US" sz="2900" b="1" dirty="0">
-                <a:solidFill>
-                  <a:schemeClr val="tx1"/>
-                </a:solidFill>
-              </a:rPr>
-              <a:t>CQRS</a:t>
-            </a:r>
-            <a:r>
-              <a:rPr lang="ru-RU" sz="2900" b="1" dirty="0">
-                <a:solidFill>
-                  <a:schemeClr val="tx1"/>
-                </a:solidFill>
-              </a:rPr>
-              <a:t> – Разделение операций чтения и записи для повышения производительности и масштабируемости.</a:t>
-            </a:r>
-          </a:p>
-          <a:p>
-            <a:pPr marL="285750" indent="-285750">
-              <a:lnSpc>
-                <a:spcPct val="150000"/>
-              </a:lnSpc>
-              <a:buFont typeface="Arial" panose="020B0604020202020204" pitchFamily="34" charset="0"/>
-              <a:buChar char="•"/>
-            </a:pPr>
-            <a:r>
-              <a:rPr lang="en-US" sz="2900" b="1" dirty="0">
-                <a:solidFill>
-                  <a:schemeClr val="tx1"/>
-                </a:solidFill>
-              </a:rPr>
-              <a:t>JWT Bearer</a:t>
-            </a:r>
-            <a:r>
-              <a:rPr lang="ru-RU" sz="2900" b="1" dirty="0">
-                <a:solidFill>
-                  <a:schemeClr val="tx1"/>
-                </a:solidFill>
-              </a:rPr>
-              <a:t> – Безопасная аутентификация через </a:t>
-            </a:r>
-            <a:r>
-              <a:rPr lang="ru-RU" sz="2900" b="1" dirty="0" err="1">
-                <a:solidFill>
-                  <a:schemeClr val="tx1"/>
-                </a:solidFill>
-              </a:rPr>
-              <a:t>токены</a:t>
-            </a:r>
-            <a:r>
-              <a:rPr lang="ru-RU" sz="2900" b="1" dirty="0">
-                <a:solidFill>
-                  <a:schemeClr val="tx1"/>
-                </a:solidFill>
-              </a:rPr>
-              <a:t> с минимальными накладными расходами.</a:t>
-            </a:r>
-            <a:endParaRPr lang="en-US" sz="2900" b="1" dirty="0">
-              <a:solidFill>
-                <a:schemeClr val="tx1"/>
-              </a:solidFill>
-            </a:endParaRPr>
-          </a:p>
-          <a:p>
-            <a:pPr marL="285750" indent="-285750">
-              <a:lnSpc>
-                <a:spcPct val="150000"/>
-              </a:lnSpc>
-              <a:buFont typeface="Arial" panose="020B0604020202020204" pitchFamily="34" charset="0"/>
-              <a:buChar char="•"/>
-            </a:pPr>
-            <a:r>
-              <a:rPr lang="en-US" sz="2900" b="1" dirty="0">
+              <a:rPr lang="en-US" sz="3700" b="1" dirty="0">
                 <a:solidFill>
                   <a:schemeClr val="tx1"/>
                 </a:solidFill>
@@ -13718,21 +14052,103 @@
               <a:t>AJAX / Fetch</a:t>
             </a:r>
             <a:r>
-              <a:rPr lang="ru-RU" sz="2900" b="1" dirty="0">
+              <a:rPr lang="ru-RU" sz="3700" b="1" dirty="0">
                 <a:solidFill>
                   <a:schemeClr val="tx1"/>
                 </a:solidFill>
               </a:rPr>
-              <a:t>– Асинхронные HTTP-запросы для динамического обновления страницы без перезагрузки.</a:t>
-            </a:r>
-            <a:endParaRPr lang="en-US" sz="2900" b="1" dirty="0">
+              <a:t>– Асинхронные HTTP-запросы для динамического обновления страницы без перезагрузки</a:t>
+            </a:r>
+            <a:r>
+              <a:rPr lang="ru-RU" sz="3700" b="1" dirty="0" smtClean="0">
+                <a:solidFill>
+                  <a:schemeClr val="tx1"/>
+                </a:solidFill>
+              </a:rPr>
+              <a:t>.</a:t>
+            </a:r>
+            <a:endParaRPr lang="ru-RU" sz="3700" b="1" dirty="0" smtClean="0">
               <a:solidFill>
                 <a:schemeClr val="tx1"/>
               </a:solidFill>
             </a:endParaRPr>
           </a:p>
           <a:p>
-            <a:endParaRPr lang="ru-RU" dirty="0">
+            <a:r>
+              <a:rPr lang="ru-RU" sz="3700" b="1" dirty="0" smtClean="0">
+                <a:solidFill>
+                  <a:schemeClr val="tx1"/>
+                </a:solidFill>
+              </a:rPr>
+              <a:t>Языки</a:t>
+            </a:r>
+            <a:r>
+              <a:rPr lang="en-US" sz="3700" b="1" dirty="0" smtClean="0">
+                <a:solidFill>
+                  <a:schemeClr val="tx1"/>
+                </a:solidFill>
+              </a:rPr>
+              <a:t>:</a:t>
+            </a:r>
+          </a:p>
+          <a:p>
+            <a:pPr lvl="1"/>
+            <a:r>
+              <a:rPr lang="en-US" sz="3700" b="1" dirty="0">
+                <a:solidFill>
+                  <a:schemeClr val="tx1"/>
+                </a:solidFill>
+              </a:rPr>
+              <a:t>HTML&amp;CSS&amp;JS</a:t>
+            </a:r>
+            <a:r>
+              <a:rPr lang="ru-RU" sz="3700" b="1" dirty="0">
+                <a:solidFill>
+                  <a:schemeClr val="tx1"/>
+                </a:solidFill>
+              </a:rPr>
+              <a:t> – Основы веб-разработки для создания интерактивного и стильного интерфейса.</a:t>
+            </a:r>
+            <a:endParaRPr lang="en-US" sz="3700" b="1" dirty="0">
+              <a:solidFill>
+                <a:schemeClr val="tx1"/>
+              </a:solidFill>
+            </a:endParaRPr>
+          </a:p>
+          <a:p>
+            <a:pPr lvl="1"/>
+            <a:r>
+              <a:rPr lang="en-US" sz="3700" b="1" dirty="0" smtClean="0">
+                <a:solidFill>
+                  <a:schemeClr val="tx1"/>
+                </a:solidFill>
+              </a:rPr>
+              <a:t>C# - </a:t>
+            </a:r>
+            <a:r>
+              <a:rPr lang="ru-RU" sz="3700" b="1" dirty="0" smtClean="0">
+                <a:solidFill>
+                  <a:schemeClr val="tx1"/>
+                </a:solidFill>
+              </a:rPr>
+              <a:t>для разработки веб-приложения на </a:t>
+            </a:r>
+            <a:r>
+              <a:rPr lang="en-US" sz="3700" b="1" dirty="0" smtClean="0">
+                <a:solidFill>
+                  <a:schemeClr val="tx1"/>
+                </a:solidFill>
+              </a:rPr>
+              <a:t>BACKEND</a:t>
+            </a:r>
+            <a:endParaRPr lang="ru-RU" sz="3700" b="1" dirty="0" smtClean="0">
+              <a:solidFill>
+                <a:schemeClr val="tx1"/>
+              </a:solidFill>
+            </a:endParaRPr>
+          </a:p>
+          <a:p>
+            <a:endParaRPr lang="en-US" sz="2900" b="1" dirty="0">
               <a:solidFill>
                 <a:schemeClr val="tx1"/>
               </a:solidFill>
